--- a/doc/3_ 설계서/Class Design.pptx
+++ b/doc/3_ 설계서/Class Design.pptx
@@ -5,15 +5,18 @@
     <p:sldMasterId id="2147483655" r:id="rId1"/>
   </p:sldMasterIdLst>
   <p:notesMasterIdLst>
-    <p:notesMasterId r:id="rId5"/>
+    <p:notesMasterId r:id="rId8"/>
   </p:notesMasterIdLst>
   <p:handoutMasterIdLst>
-    <p:handoutMasterId r:id="rId6"/>
+    <p:handoutMasterId r:id="rId9"/>
   </p:handoutMasterIdLst>
   <p:sldIdLst>
     <p:sldId id="256" r:id="rId2"/>
     <p:sldId id="257" r:id="rId3"/>
     <p:sldId id="258" r:id="rId4"/>
+    <p:sldId id="259" r:id="rId5"/>
+    <p:sldId id="260" r:id="rId6"/>
+    <p:sldId id="261" r:id="rId7"/>
   </p:sldIdLst>
   <p:sldSz cx="9144000" cy="6858000" type="screen4x3"/>
   <p:notesSz cx="6797675" cy="9928225"/>
@@ -142,6 +145,41 @@
       </a:defRPr>
     </a:lvl9pPr>
   </p:defaultTextStyle>
+  <p:extLst>
+    <p:ext uri="{EFAFB233-063F-42B5-8137-9DF3F51BA10A}">
+      <p15:sldGuideLst xmlns:p15="http://schemas.microsoft.com/office/powerpoint/2012/main">
+        <p15:guide id="1" orient="horz">
+          <p15:clr>
+            <a:srgbClr val="A4A3A4"/>
+          </p15:clr>
+        </p15:guide>
+        <p15:guide id="2" pos="2880">
+          <p15:clr>
+            <a:srgbClr val="A4A3A4"/>
+          </p15:clr>
+        </p15:guide>
+        <p15:guide id="3" pos="6">
+          <p15:clr>
+            <a:srgbClr val="A4A3A4"/>
+          </p15:clr>
+        </p15:guide>
+      </p15:sldGuideLst>
+    </p:ext>
+    <p:ext uri="{2D200454-40CA-4A62-9FC3-DE9A4176ACB9}">
+      <p15:notesGuideLst xmlns:p15="http://schemas.microsoft.com/office/powerpoint/2012/main">
+        <p15:guide id="1" orient="horz" pos="3126">
+          <p15:clr>
+            <a:srgbClr val="A4A3A4"/>
+          </p15:clr>
+        </p15:guide>
+        <p15:guide id="2" pos="2140">
+          <p15:clr>
+            <a:srgbClr val="A4A3A4"/>
+          </p15:clr>
+        </p15:guide>
+      </p15:notesGuideLst>
+    </p:ext>
+  </p:extLst>
 </p:presentation>
 </file>
 
@@ -1090,10 +1128,34 @@
             <a:tbl>
               <a:tblPr/>
               <a:tblGrid>
-                <a:gridCol w="1022523"/>
-                <a:gridCol w="3439486"/>
-                <a:gridCol w="947956"/>
-                <a:gridCol w="3523377"/>
+                <a:gridCol w="1022523">
+                  <a:extLst>
+                    <a:ext uri="{9D8B030D-6E8A-4147-A177-3AD203B41FA5}">
+                      <a16:colId xmlns:a16="http://schemas.microsoft.com/office/drawing/2014/main" val="20000"/>
+                    </a:ext>
+                  </a:extLst>
+                </a:gridCol>
+                <a:gridCol w="3439486">
+                  <a:extLst>
+                    <a:ext uri="{9D8B030D-6E8A-4147-A177-3AD203B41FA5}">
+                      <a16:colId xmlns:a16="http://schemas.microsoft.com/office/drawing/2014/main" val="20001"/>
+                    </a:ext>
+                  </a:extLst>
+                </a:gridCol>
+                <a:gridCol w="947956">
+                  <a:extLst>
+                    <a:ext uri="{9D8B030D-6E8A-4147-A177-3AD203B41FA5}">
+                      <a16:colId xmlns:a16="http://schemas.microsoft.com/office/drawing/2014/main" val="20002"/>
+                    </a:ext>
+                  </a:extLst>
+                </a:gridCol>
+                <a:gridCol w="3523377">
+                  <a:extLst>
+                    <a:ext uri="{9D8B030D-6E8A-4147-A177-3AD203B41FA5}">
+                      <a16:colId xmlns:a16="http://schemas.microsoft.com/office/drawing/2014/main" val="20003"/>
+                    </a:ext>
+                  </a:extLst>
+                </a:gridCol>
               </a:tblGrid>
               <a:tr h="299619">
                 <a:tc rowSpan="2">
@@ -1476,6 +1538,11 @@
                     <a:noFill/>
                   </a:tcPr>
                 </a:tc>
+                <a:extLst>
+                  <a:ext uri="{0D108BD9-81ED-4DB2-BD59-A6C34878D82A}">
+                    <a16:rowId xmlns:a16="http://schemas.microsoft.com/office/drawing/2014/main" val="10000"/>
+                  </a:ext>
+                </a:extLst>
               </a:tr>
               <a:tr h="297106">
                 <a:tc vMerge="1">
@@ -1830,6 +1897,11 @@
                     <a:noFill/>
                   </a:tcPr>
                 </a:tc>
+                <a:extLst>
+                  <a:ext uri="{0D108BD9-81ED-4DB2-BD59-A6C34878D82A}">
+                    <a16:rowId xmlns:a16="http://schemas.microsoft.com/office/drawing/2014/main" val="10001"/>
+                  </a:ext>
+                </a:extLst>
               </a:tr>
             </a:tbl>
           </a:graphicData>
@@ -1882,8 +1954,8 @@
           <a:p>
             <a:pPr algn="r"/>
             <a:r>
-              <a:rPr lang="ko-KR" altLang="en-US" dirty="0" smtClean="0"/>
-              <a:t>팀 명</a:t>
+              <a:rPr lang="en-US" altLang="ko-KR" smtClean="0"/>
+              <a:t>&lt;mousai&gt;</a:t>
             </a:r>
             <a:endParaRPr lang="en-US" altLang="ko-KR" dirty="0"/>
           </a:p>
@@ -2210,8 +2282,8 @@
           <a:p>
             <a:pPr algn="r"/>
             <a:r>
-              <a:rPr lang="ko-KR" altLang="en-US" dirty="0" smtClean="0"/>
-              <a:t>팀 명</a:t>
+              <a:rPr lang="en-US" altLang="ko-KR" smtClean="0"/>
+              <a:t>&lt;mousai&gt;</a:t>
             </a:r>
             <a:endParaRPr lang="en-US" altLang="ko-KR" dirty="0"/>
           </a:p>
@@ -2415,8 +2487,8 @@
           <a:p>
             <a:pPr algn="r"/>
             <a:r>
-              <a:rPr lang="ko-KR" altLang="en-US" dirty="0" smtClean="0"/>
-              <a:t>팀 명</a:t>
+              <a:rPr lang="en-US" altLang="ko-KR" smtClean="0"/>
+              <a:t>&lt;mousai&gt;</a:t>
             </a:r>
             <a:endParaRPr lang="en-US" altLang="ko-KR" dirty="0"/>
           </a:p>
@@ -2988,8 +3060,8 @@
         </p:nvSpPr>
         <p:spPr>
           <a:xfrm>
-            <a:off x="7751445" y="4372844"/>
-            <a:ext cx="768159" cy="400110"/>
+            <a:off x="6286077" y="4526732"/>
+            <a:ext cx="2214068" cy="584775"/>
           </a:xfrm>
           <a:prstGeom prst="rect">
             <a:avLst/>
@@ -3002,11 +3074,20 @@
           </a:bodyPr>
           <a:lstStyle/>
           <a:p>
+            <a:pPr latinLnBrk="1"/>
             <a:r>
-              <a:rPr lang="ko-KR" altLang="en-US" sz="2000" dirty="0" smtClean="0"/>
-              <a:t>팀 명</a:t>
+              <a:rPr lang="en-US" altLang="ko-KR" sz="3200" dirty="0" smtClean="0"/>
+              <a:t>&lt; </a:t>
             </a:r>
-            <a:endParaRPr lang="ko-KR" altLang="en-US" sz="2000" dirty="0"/>
+            <a:r>
+              <a:rPr lang="en-US" altLang="ko-KR" sz="3200" dirty="0" err="1" smtClean="0"/>
+              <a:t>Mousai</a:t>
+            </a:r>
+            <a:r>
+              <a:rPr lang="en-US" altLang="ko-KR" sz="3200" dirty="0" smtClean="0"/>
+              <a:t> &gt;</a:t>
+            </a:r>
+            <a:endParaRPr lang="ko-KR" altLang="ko-KR" sz="3200" dirty="0"/>
           </a:p>
         </p:txBody>
       </p:sp>
@@ -3015,6 +3096,13 @@
   <p:clrMapOvr>
     <a:masterClrMapping/>
   </p:clrMapOvr>
+  <p:timing>
+    <p:tnLst>
+      <p:par>
+        <p:cTn id="1" dur="indefinite" restart="never" nodeType="tmRoot"/>
+      </p:par>
+    </p:tnLst>
+  </p:timing>
 </p:sld>
 </file>
 
@@ -3075,8 +3163,8 @@
           <a:p>
             <a:pPr algn="r"/>
             <a:r>
-              <a:rPr lang="ko-KR" altLang="en-US" dirty="0" smtClean="0"/>
-              <a:t>팀 명</a:t>
+              <a:rPr lang="en-US" altLang="ko-KR" smtClean="0"/>
+              <a:t>&lt;mousai&gt;</a:t>
             </a:r>
             <a:endParaRPr lang="en-US" altLang="ko-KR" dirty="0"/>
           </a:p>
@@ -3092,7 +3180,7 @@
             <p:ph idx="1"/>
             <p:extLst>
               <p:ext uri="{D42A27DB-BD31-4B8C-83A1-F6EECF244321}">
-                <p14:modId xmlns:p14="http://schemas.microsoft.com/office/powerpoint/2010/main" val="3721839066"/>
+                <p14:modId xmlns:p14="http://schemas.microsoft.com/office/powerpoint/2010/main" val="3852103481"/>
               </p:ext>
             </p:extLst>
           </p:nvPr>
@@ -3108,10 +3196,34 @@
                 <a:tableStyleId>{5940675A-B579-460E-94D1-54222C63F5DA}</a:tableStyleId>
               </a:tblPr>
               <a:tblGrid>
-                <a:gridCol w="2145506"/>
-                <a:gridCol w="2145506"/>
-                <a:gridCol w="2145506"/>
-                <a:gridCol w="2145506"/>
+                <a:gridCol w="2145506">
+                  <a:extLst>
+                    <a:ext uri="{9D8B030D-6E8A-4147-A177-3AD203B41FA5}">
+                      <a16:colId xmlns:a16="http://schemas.microsoft.com/office/drawing/2014/main" val="20000"/>
+                    </a:ext>
+                  </a:extLst>
+                </a:gridCol>
+                <a:gridCol w="2145506">
+                  <a:extLst>
+                    <a:ext uri="{9D8B030D-6E8A-4147-A177-3AD203B41FA5}">
+                      <a16:colId xmlns:a16="http://schemas.microsoft.com/office/drawing/2014/main" val="20001"/>
+                    </a:ext>
+                  </a:extLst>
+                </a:gridCol>
+                <a:gridCol w="2145506">
+                  <a:extLst>
+                    <a:ext uri="{9D8B030D-6E8A-4147-A177-3AD203B41FA5}">
+                      <a16:colId xmlns:a16="http://schemas.microsoft.com/office/drawing/2014/main" val="20002"/>
+                    </a:ext>
+                  </a:extLst>
+                </a:gridCol>
+                <a:gridCol w="2145506">
+                  <a:extLst>
+                    <a:ext uri="{9D8B030D-6E8A-4147-A177-3AD203B41FA5}">
+                      <a16:colId xmlns:a16="http://schemas.microsoft.com/office/drawing/2014/main" val="20003"/>
+                    </a:ext>
+                  </a:extLst>
+                </a:gridCol>
               </a:tblGrid>
               <a:tr h="370840">
                 <a:tc>
@@ -3234,6 +3346,11 @@
                     </a:solidFill>
                   </a:tcPr>
                 </a:tc>
+                <a:extLst>
+                  <a:ext uri="{0D108BD9-81ED-4DB2-BD59-A6C34878D82A}">
+                    <a16:rowId xmlns:a16="http://schemas.microsoft.com/office/drawing/2014/main" val="10000"/>
+                  </a:ext>
+                </a:extLst>
               </a:tr>
               <a:tr h="370840">
                 <a:tc>
@@ -3242,6 +3359,16 @@
                     <a:lstStyle/>
                     <a:p>
                       <a:pPr algn="ctr" latinLnBrk="1"/>
+                      <a:r>
+                        <a:rPr lang="en-US" altLang="ko-KR" sz="1200" b="0" dirty="0" smtClean="0">
+                          <a:solidFill>
+                            <a:schemeClr val="tx1"/>
+                          </a:solidFill>
+                          <a:latin typeface="맑은 고딕" pitchFamily="50" charset="-127"/>
+                          <a:ea typeface="맑은 고딕" pitchFamily="50" charset="-127"/>
+                        </a:rPr>
+                        <a:t>2017.05.24</a:t>
+                      </a:r>
                       <a:endParaRPr lang="ko-KR" altLang="en-US" sz="1200" b="0" dirty="0">
                         <a:solidFill>
                           <a:schemeClr val="tx1"/>
@@ -3263,6 +3390,16 @@
                     <a:lstStyle/>
                     <a:p>
                       <a:pPr algn="ctr" latinLnBrk="1"/>
+                      <a:r>
+                        <a:rPr lang="en-US" altLang="ko-KR" sz="1200" b="0" dirty="0" smtClean="0">
+                          <a:solidFill>
+                            <a:schemeClr val="tx1"/>
+                          </a:solidFill>
+                          <a:latin typeface="맑은 고딕" pitchFamily="50" charset="-127"/>
+                          <a:ea typeface="맑은 고딕" pitchFamily="50" charset="-127"/>
+                        </a:rPr>
+                        <a:t>V1.0</a:t>
+                      </a:r>
                       <a:endParaRPr lang="ko-KR" altLang="en-US" sz="1200" b="0" dirty="0">
                         <a:solidFill>
                           <a:schemeClr val="tx1"/>
@@ -3284,6 +3421,16 @@
                     <a:lstStyle/>
                     <a:p>
                       <a:pPr latinLnBrk="1"/>
+                      <a:r>
+                        <a:rPr lang="ko-KR" altLang="en-US" sz="1200" b="0" dirty="0" smtClean="0">
+                          <a:solidFill>
+                            <a:schemeClr val="tx1"/>
+                          </a:solidFill>
+                          <a:latin typeface="맑은 고딕" pitchFamily="50" charset="-127"/>
+                          <a:ea typeface="맑은 고딕" pitchFamily="50" charset="-127"/>
+                        </a:rPr>
+                        <a:t>클래스 설계서 초안 작성</a:t>
+                      </a:r>
                       <a:endParaRPr lang="ko-KR" altLang="en-US" sz="1200" b="0" dirty="0">
                         <a:solidFill>
                           <a:schemeClr val="tx1"/>
@@ -3305,6 +3452,16 @@
                     <a:lstStyle/>
                     <a:p>
                       <a:pPr algn="ctr" latinLnBrk="1"/>
+                      <a:r>
+                        <a:rPr lang="ko-KR" altLang="en-US" sz="1200" b="0" dirty="0" smtClean="0">
+                          <a:solidFill>
+                            <a:schemeClr val="tx1"/>
+                          </a:solidFill>
+                          <a:latin typeface="맑은 고딕" pitchFamily="50" charset="-127"/>
+                          <a:ea typeface="맑은 고딕" pitchFamily="50" charset="-127"/>
+                        </a:rPr>
+                        <a:t>한성필</a:t>
+                      </a:r>
                       <a:endParaRPr lang="ko-KR" altLang="en-US" sz="1200" b="0" dirty="0">
                         <a:solidFill>
                           <a:schemeClr val="tx1"/>
@@ -3320,6 +3477,11 @@
                     </a:solidFill>
                   </a:tcPr>
                 </a:tc>
+                <a:extLst>
+                  <a:ext uri="{0D108BD9-81ED-4DB2-BD59-A6C34878D82A}">
+                    <a16:rowId xmlns:a16="http://schemas.microsoft.com/office/drawing/2014/main" val="10001"/>
+                  </a:ext>
+                </a:extLst>
               </a:tr>
               <a:tr h="370840">
                 <a:tc>
@@ -3406,6 +3568,11 @@
                     </a:solidFill>
                   </a:tcPr>
                 </a:tc>
+                <a:extLst>
+                  <a:ext uri="{0D108BD9-81ED-4DB2-BD59-A6C34878D82A}">
+                    <a16:rowId xmlns:a16="http://schemas.microsoft.com/office/drawing/2014/main" val="10002"/>
+                  </a:ext>
+                </a:extLst>
               </a:tr>
               <a:tr h="370840">
                 <a:tc>
@@ -3492,6 +3659,11 @@
                     </a:solidFill>
                   </a:tcPr>
                 </a:tc>
+                <a:extLst>
+                  <a:ext uri="{0D108BD9-81ED-4DB2-BD59-A6C34878D82A}">
+                    <a16:rowId xmlns:a16="http://schemas.microsoft.com/office/drawing/2014/main" val="10003"/>
+                  </a:ext>
+                </a:extLst>
               </a:tr>
               <a:tr h="370840">
                 <a:tc>
@@ -3578,6 +3750,11 @@
                     </a:solidFill>
                   </a:tcPr>
                 </a:tc>
+                <a:extLst>
+                  <a:ext uri="{0D108BD9-81ED-4DB2-BD59-A6C34878D82A}">
+                    <a16:rowId xmlns:a16="http://schemas.microsoft.com/office/drawing/2014/main" val="10004"/>
+                  </a:ext>
+                </a:extLst>
               </a:tr>
               <a:tr h="370840">
                 <a:tc>
@@ -3664,6 +3841,11 @@
                     </a:solidFill>
                   </a:tcPr>
                 </a:tc>
+                <a:extLst>
+                  <a:ext uri="{0D108BD9-81ED-4DB2-BD59-A6C34878D82A}">
+                    <a16:rowId xmlns:a16="http://schemas.microsoft.com/office/drawing/2014/main" val="10005"/>
+                  </a:ext>
+                </a:extLst>
               </a:tr>
               <a:tr h="370840">
                 <a:tc>
@@ -3750,6 +3932,11 @@
                     </a:solidFill>
                   </a:tcPr>
                 </a:tc>
+                <a:extLst>
+                  <a:ext uri="{0D108BD9-81ED-4DB2-BD59-A6C34878D82A}">
+                    <a16:rowId xmlns:a16="http://schemas.microsoft.com/office/drawing/2014/main" val="10006"/>
+                  </a:ext>
+                </a:extLst>
               </a:tr>
               <a:tr h="370840">
                 <a:tc>
@@ -3836,6 +4023,11 @@
                     </a:solidFill>
                   </a:tcPr>
                 </a:tc>
+                <a:extLst>
+                  <a:ext uri="{0D108BD9-81ED-4DB2-BD59-A6C34878D82A}">
+                    <a16:rowId xmlns:a16="http://schemas.microsoft.com/office/drawing/2014/main" val="10007"/>
+                  </a:ext>
+                </a:extLst>
               </a:tr>
             </a:tbl>
           </a:graphicData>
@@ -3846,6 +4038,13 @@
   <p:clrMapOvr>
     <a:masterClrMapping/>
   </p:clrMapOvr>
+  <p:timing>
+    <p:tnLst>
+      <p:par>
+        <p:cTn id="1" dur="indefinite" restart="never" nodeType="tmRoot"/>
+      </p:par>
+    </p:tnLst>
+  </p:timing>
 </p:sld>
 </file>
 
@@ -3883,8 +4082,8 @@
           <a:p>
             <a:pPr algn="r"/>
             <a:r>
-              <a:rPr lang="ko-KR" altLang="en-US" dirty="0" smtClean="0"/>
-              <a:t>팀 명</a:t>
+              <a:rPr lang="en-US" altLang="ko-KR" smtClean="0"/>
+              <a:t>&lt;mousai&gt;</a:t>
             </a:r>
             <a:endParaRPr lang="en-US" altLang="ko-KR" dirty="0"/>
           </a:p>
@@ -3892,14 +4091,14 @@
       </p:sp>
       <p:sp>
         <p:nvSpPr>
-          <p:cNvPr id="24" name="TextBox 23"/>
+          <p:cNvPr id="3" name="TextBox 2"/>
           <p:cNvSpPr txBox="1"/>
           <p:nvPr/>
         </p:nvSpPr>
         <p:spPr>
           <a:xfrm>
-            <a:off x="914400" y="931659"/>
-            <a:ext cx="752129" cy="307777"/>
+            <a:off x="1543050" y="257175"/>
+            <a:ext cx="2257425" cy="307777"/>
           </a:xfrm>
           <a:prstGeom prst="rect">
             <a:avLst/>
@@ -3907,58 +4106,83 @@
           <a:noFill/>
         </p:spPr>
         <p:txBody>
-          <a:bodyPr wrap="none" rtlCol="0">
+          <a:bodyPr wrap="square" rtlCol="0">
             <a:spAutoFit/>
           </a:bodyPr>
           <a:lstStyle/>
           <a:p>
             <a:r>
-              <a:rPr lang="en-US" altLang="ko-KR" dirty="0" smtClean="0"/>
-              <a:t>&lt;</a:t>
-            </a:r>
-            <a:r>
               <a:rPr lang="ko-KR" altLang="en-US" dirty="0" smtClean="0"/>
-              <a:t>예시</a:t>
+              <a:t>대학생을 위한 </a:t>
             </a:r>
             <a:r>
               <a:rPr lang="en-US" altLang="ko-KR" dirty="0" smtClean="0"/>
-              <a:t>&gt;</a:t>
+              <a:t>To do List</a:t>
             </a:r>
             <a:endParaRPr lang="ko-KR" altLang="en-US" dirty="0"/>
           </a:p>
         </p:txBody>
       </p:sp>
+      <p:sp>
+        <p:nvSpPr>
+          <p:cNvPr id="4" name="TextBox 3"/>
+          <p:cNvSpPr txBox="1"/>
+          <p:nvPr/>
+        </p:nvSpPr>
+        <p:spPr>
+          <a:xfrm>
+            <a:off x="7032501" y="420588"/>
+            <a:ext cx="720849" cy="261610"/>
+          </a:xfrm>
+          <a:prstGeom prst="rect">
+            <a:avLst/>
+          </a:prstGeom>
+          <a:solidFill>
+            <a:schemeClr val="bg1"/>
+          </a:solidFill>
+        </p:spPr>
+        <p:txBody>
+          <a:bodyPr wrap="square" rtlCol="0">
+            <a:spAutoFit/>
+          </a:bodyPr>
+          <a:lstStyle/>
+          <a:p>
+            <a:r>
+              <a:rPr lang="en-US" altLang="ko-KR" sz="1100" dirty="0" smtClean="0"/>
+              <a:t>V 1.0</a:t>
+            </a:r>
+            <a:endParaRPr lang="ko-KR" altLang="en-US" sz="1100" dirty="0"/>
+          </a:p>
+        </p:txBody>
+      </p:sp>
       <p:pic>
         <p:nvPicPr>
-          <p:cNvPr id="25" name="Picture 3"/>
+          <p:cNvPr id="5" name="그림 4"/>
           <p:cNvPicPr>
-            <a:picLocks noChangeAspect="1" noChangeArrowheads="1"/>
+            <a:picLocks noChangeAspect="1"/>
           </p:cNvPicPr>
           <p:nvPr/>
         </p:nvPicPr>
         <p:blipFill>
-          <a:blip r:embed="rId2" cstate="print"/>
-          <a:srcRect/>
+          <a:blip r:embed="rId2">
+            <a:extLst>
+              <a:ext uri="{28A0092B-C50C-407E-A947-70E740481C1C}">
+                <a14:useLocalDpi xmlns:a14="http://schemas.microsoft.com/office/drawing/2010/main" val="0"/>
+              </a:ext>
+            </a:extLst>
+          </a:blip>
           <a:stretch>
             <a:fillRect/>
           </a:stretch>
         </p:blipFill>
-        <p:spPr bwMode="auto">
+        <p:spPr>
           <a:xfrm>
-            <a:off x="1146106" y="1806652"/>
-            <a:ext cx="7058326" cy="1290231"/>
+            <a:off x="1547812" y="871537"/>
+            <a:ext cx="6048375" cy="5114925"/>
           </a:xfrm>
           <a:prstGeom prst="rect">
             <a:avLst/>
           </a:prstGeom>
-          <a:noFill/>
-          <a:ln w="9525">
-            <a:noFill/>
-            <a:miter lim="800000"/>
-            <a:headEnd/>
-            <a:tailEnd/>
-          </a:ln>
-          <a:effectLst/>
         </p:spPr>
       </p:pic>
     </p:spTree>
@@ -3966,6 +4190,484 @@
   <p:clrMapOvr>
     <a:masterClrMapping/>
   </p:clrMapOvr>
+  <p:timing>
+    <p:tnLst>
+      <p:par>
+        <p:cTn id="1" dur="indefinite" restart="never" nodeType="tmRoot"/>
+      </p:par>
+    </p:tnLst>
+  </p:timing>
+</p:sld>
+</file>
+
+<file path=ppt/slides/slide4.xml><?xml version="1.0" encoding="utf-8"?>
+<p:sld xmlns:a="http://schemas.openxmlformats.org/drawingml/2006/main" xmlns:r="http://schemas.openxmlformats.org/officeDocument/2006/relationships" xmlns:p="http://schemas.openxmlformats.org/presentationml/2006/main">
+  <p:cSld>
+    <p:spTree>
+      <p:nvGrpSpPr>
+        <p:cNvPr id="1" name=""/>
+        <p:cNvGrpSpPr/>
+        <p:nvPr/>
+      </p:nvGrpSpPr>
+      <p:grpSpPr>
+        <a:xfrm>
+          <a:off x="0" y="0"/>
+          <a:ext cx="0" cy="0"/>
+          <a:chOff x="0" y="0"/>
+          <a:chExt cx="0" cy="0"/>
+        </a:xfrm>
+      </p:grpSpPr>
+      <p:sp>
+        <p:nvSpPr>
+          <p:cNvPr id="2" name="바닥글 개체 틀 1"/>
+          <p:cNvSpPr>
+            <a:spLocks noGrp="1"/>
+          </p:cNvSpPr>
+          <p:nvPr>
+            <p:ph type="ftr" sz="quarter" idx="3"/>
+          </p:nvPr>
+        </p:nvSpPr>
+        <p:spPr/>
+        <p:txBody>
+          <a:bodyPr/>
+          <a:lstStyle/>
+          <a:p>
+            <a:pPr algn="r"/>
+            <a:r>
+              <a:rPr lang="en-US" altLang="ko-KR" smtClean="0"/>
+              <a:t>&lt;mousai&gt;</a:t>
+            </a:r>
+            <a:endParaRPr lang="en-US" altLang="ko-KR" dirty="0"/>
+          </a:p>
+        </p:txBody>
+      </p:sp>
+      <p:sp>
+        <p:nvSpPr>
+          <p:cNvPr id="4" name="TextBox 3"/>
+          <p:cNvSpPr txBox="1"/>
+          <p:nvPr/>
+        </p:nvSpPr>
+        <p:spPr>
+          <a:xfrm>
+            <a:off x="1543050" y="257175"/>
+            <a:ext cx="2257425" cy="307777"/>
+          </a:xfrm>
+          <a:prstGeom prst="rect">
+            <a:avLst/>
+          </a:prstGeom>
+          <a:noFill/>
+        </p:spPr>
+        <p:txBody>
+          <a:bodyPr wrap="square" rtlCol="0">
+            <a:spAutoFit/>
+          </a:bodyPr>
+          <a:lstStyle/>
+          <a:p>
+            <a:r>
+              <a:rPr lang="ko-KR" altLang="en-US" dirty="0" smtClean="0"/>
+              <a:t>대학생을 위한 </a:t>
+            </a:r>
+            <a:r>
+              <a:rPr lang="en-US" altLang="ko-KR" dirty="0" smtClean="0"/>
+              <a:t>To do List</a:t>
+            </a:r>
+            <a:endParaRPr lang="ko-KR" altLang="en-US" dirty="0"/>
+          </a:p>
+        </p:txBody>
+      </p:sp>
+      <p:sp>
+        <p:nvSpPr>
+          <p:cNvPr id="5" name="TextBox 4"/>
+          <p:cNvSpPr txBox="1"/>
+          <p:nvPr/>
+        </p:nvSpPr>
+        <p:spPr>
+          <a:xfrm>
+            <a:off x="7032501" y="420588"/>
+            <a:ext cx="720849" cy="261610"/>
+          </a:xfrm>
+          <a:prstGeom prst="rect">
+            <a:avLst/>
+          </a:prstGeom>
+          <a:solidFill>
+            <a:schemeClr val="bg1"/>
+          </a:solidFill>
+        </p:spPr>
+        <p:txBody>
+          <a:bodyPr wrap="square" rtlCol="0">
+            <a:spAutoFit/>
+          </a:bodyPr>
+          <a:lstStyle/>
+          <a:p>
+            <a:r>
+              <a:rPr lang="en-US" altLang="ko-KR" sz="1100" dirty="0" smtClean="0"/>
+              <a:t>V 1.0</a:t>
+            </a:r>
+            <a:endParaRPr lang="ko-KR" altLang="en-US" sz="1100" dirty="0"/>
+          </a:p>
+        </p:txBody>
+      </p:sp>
+      <p:pic>
+        <p:nvPicPr>
+          <p:cNvPr id="6" name="그림 5"/>
+          <p:cNvPicPr>
+            <a:picLocks noChangeAspect="1"/>
+          </p:cNvPicPr>
+          <p:nvPr/>
+        </p:nvPicPr>
+        <p:blipFill>
+          <a:blip r:embed="rId2">
+            <a:extLst>
+              <a:ext uri="{28A0092B-C50C-407E-A947-70E740481C1C}">
+                <a14:useLocalDpi xmlns:a14="http://schemas.microsoft.com/office/drawing/2010/main" val="0"/>
+              </a:ext>
+            </a:extLst>
+          </a:blip>
+          <a:stretch>
+            <a:fillRect/>
+          </a:stretch>
+        </p:blipFill>
+        <p:spPr>
+          <a:xfrm>
+            <a:off x="983672" y="1034122"/>
+            <a:ext cx="7578436" cy="5240615"/>
+          </a:xfrm>
+          <a:prstGeom prst="rect">
+            <a:avLst/>
+          </a:prstGeom>
+        </p:spPr>
+      </p:pic>
+    </p:spTree>
+    <p:extLst>
+      <p:ext uri="{BB962C8B-B14F-4D97-AF65-F5344CB8AC3E}">
+        <p14:creationId xmlns:p14="http://schemas.microsoft.com/office/powerpoint/2010/main" val="2124611336"/>
+      </p:ext>
+    </p:extLst>
+  </p:cSld>
+  <p:clrMapOvr>
+    <a:masterClrMapping/>
+  </p:clrMapOvr>
+  <p:timing>
+    <p:tnLst>
+      <p:par>
+        <p:cTn id="1" dur="indefinite" restart="never" nodeType="tmRoot"/>
+      </p:par>
+    </p:tnLst>
+  </p:timing>
+</p:sld>
+</file>
+
+<file path=ppt/slides/slide5.xml><?xml version="1.0" encoding="utf-8"?>
+<p:sld xmlns:a="http://schemas.openxmlformats.org/drawingml/2006/main" xmlns:r="http://schemas.openxmlformats.org/officeDocument/2006/relationships" xmlns:p="http://schemas.openxmlformats.org/presentationml/2006/main">
+  <p:cSld>
+    <p:spTree>
+      <p:nvGrpSpPr>
+        <p:cNvPr id="1" name=""/>
+        <p:cNvGrpSpPr/>
+        <p:nvPr/>
+      </p:nvGrpSpPr>
+      <p:grpSpPr>
+        <a:xfrm>
+          <a:off x="0" y="0"/>
+          <a:ext cx="0" cy="0"/>
+          <a:chOff x="0" y="0"/>
+          <a:chExt cx="0" cy="0"/>
+        </a:xfrm>
+      </p:grpSpPr>
+      <p:sp>
+        <p:nvSpPr>
+          <p:cNvPr id="2" name="바닥글 개체 틀 1"/>
+          <p:cNvSpPr>
+            <a:spLocks noGrp="1"/>
+          </p:cNvSpPr>
+          <p:nvPr>
+            <p:ph type="ftr" sz="quarter" idx="3"/>
+          </p:nvPr>
+        </p:nvSpPr>
+        <p:spPr/>
+        <p:txBody>
+          <a:bodyPr/>
+          <a:lstStyle/>
+          <a:p>
+            <a:pPr algn="r"/>
+            <a:r>
+              <a:rPr lang="en-US" altLang="ko-KR" smtClean="0"/>
+              <a:t>&lt;mousai&gt;</a:t>
+            </a:r>
+            <a:endParaRPr lang="en-US" altLang="ko-KR" dirty="0"/>
+          </a:p>
+        </p:txBody>
+      </p:sp>
+      <p:sp>
+        <p:nvSpPr>
+          <p:cNvPr id="3" name="TextBox 2"/>
+          <p:cNvSpPr txBox="1"/>
+          <p:nvPr/>
+        </p:nvSpPr>
+        <p:spPr>
+          <a:xfrm>
+            <a:off x="1543050" y="257175"/>
+            <a:ext cx="2257425" cy="307777"/>
+          </a:xfrm>
+          <a:prstGeom prst="rect">
+            <a:avLst/>
+          </a:prstGeom>
+          <a:noFill/>
+        </p:spPr>
+        <p:txBody>
+          <a:bodyPr wrap="square" rtlCol="0">
+            <a:spAutoFit/>
+          </a:bodyPr>
+          <a:lstStyle/>
+          <a:p>
+            <a:r>
+              <a:rPr lang="ko-KR" altLang="en-US" dirty="0" smtClean="0"/>
+              <a:t>대학생을 위한 </a:t>
+            </a:r>
+            <a:r>
+              <a:rPr lang="en-US" altLang="ko-KR" dirty="0" smtClean="0"/>
+              <a:t>To do List</a:t>
+            </a:r>
+            <a:endParaRPr lang="ko-KR" altLang="en-US" dirty="0"/>
+          </a:p>
+        </p:txBody>
+      </p:sp>
+      <p:sp>
+        <p:nvSpPr>
+          <p:cNvPr id="4" name="TextBox 3"/>
+          <p:cNvSpPr txBox="1"/>
+          <p:nvPr/>
+        </p:nvSpPr>
+        <p:spPr>
+          <a:xfrm>
+            <a:off x="7032501" y="420588"/>
+            <a:ext cx="720849" cy="261610"/>
+          </a:xfrm>
+          <a:prstGeom prst="rect">
+            <a:avLst/>
+          </a:prstGeom>
+          <a:solidFill>
+            <a:schemeClr val="bg1"/>
+          </a:solidFill>
+        </p:spPr>
+        <p:txBody>
+          <a:bodyPr wrap="square" rtlCol="0">
+            <a:spAutoFit/>
+          </a:bodyPr>
+          <a:lstStyle/>
+          <a:p>
+            <a:r>
+              <a:rPr lang="en-US" altLang="ko-KR" sz="1100" dirty="0" smtClean="0"/>
+              <a:t>V 1.0</a:t>
+            </a:r>
+            <a:endParaRPr lang="ko-KR" altLang="en-US" sz="1100" dirty="0"/>
+          </a:p>
+        </p:txBody>
+      </p:sp>
+      <p:pic>
+        <p:nvPicPr>
+          <p:cNvPr id="5" name="그림 4"/>
+          <p:cNvPicPr>
+            <a:picLocks noChangeAspect="1"/>
+          </p:cNvPicPr>
+          <p:nvPr/>
+        </p:nvPicPr>
+        <p:blipFill>
+          <a:blip r:embed="rId2">
+            <a:extLst>
+              <a:ext uri="{28A0092B-C50C-407E-A947-70E740481C1C}">
+                <a14:useLocalDpi xmlns:a14="http://schemas.microsoft.com/office/drawing/2010/main" val="0"/>
+              </a:ext>
+            </a:extLst>
+          </a:blip>
+          <a:stretch>
+            <a:fillRect/>
+          </a:stretch>
+        </p:blipFill>
+        <p:spPr>
+          <a:xfrm>
+            <a:off x="1753918" y="1079133"/>
+            <a:ext cx="5278583" cy="5119425"/>
+          </a:xfrm>
+          <a:prstGeom prst="rect">
+            <a:avLst/>
+          </a:prstGeom>
+        </p:spPr>
+      </p:pic>
+    </p:spTree>
+    <p:extLst>
+      <p:ext uri="{BB962C8B-B14F-4D97-AF65-F5344CB8AC3E}">
+        <p14:creationId xmlns:p14="http://schemas.microsoft.com/office/powerpoint/2010/main" val="4211449421"/>
+      </p:ext>
+    </p:extLst>
+  </p:cSld>
+  <p:clrMapOvr>
+    <a:masterClrMapping/>
+  </p:clrMapOvr>
+  <p:timing>
+    <p:tnLst>
+      <p:par>
+        <p:cTn id="1" dur="indefinite" restart="never" nodeType="tmRoot"/>
+      </p:par>
+    </p:tnLst>
+  </p:timing>
+</p:sld>
+</file>
+
+<file path=ppt/slides/slide6.xml><?xml version="1.0" encoding="utf-8"?>
+<p:sld xmlns:a="http://schemas.openxmlformats.org/drawingml/2006/main" xmlns:r="http://schemas.openxmlformats.org/officeDocument/2006/relationships" xmlns:p="http://schemas.openxmlformats.org/presentationml/2006/main">
+  <p:cSld>
+    <p:spTree>
+      <p:nvGrpSpPr>
+        <p:cNvPr id="1" name=""/>
+        <p:cNvGrpSpPr/>
+        <p:nvPr/>
+      </p:nvGrpSpPr>
+      <p:grpSpPr>
+        <a:xfrm>
+          <a:off x="0" y="0"/>
+          <a:ext cx="0" cy="0"/>
+          <a:chOff x="0" y="0"/>
+          <a:chExt cx="0" cy="0"/>
+        </a:xfrm>
+      </p:grpSpPr>
+      <p:sp>
+        <p:nvSpPr>
+          <p:cNvPr id="2" name="바닥글 개체 틀 1"/>
+          <p:cNvSpPr>
+            <a:spLocks noGrp="1"/>
+          </p:cNvSpPr>
+          <p:nvPr>
+            <p:ph type="ftr" sz="quarter" idx="3"/>
+          </p:nvPr>
+        </p:nvSpPr>
+        <p:spPr/>
+        <p:txBody>
+          <a:bodyPr/>
+          <a:lstStyle/>
+          <a:p>
+            <a:pPr algn="r"/>
+            <a:r>
+              <a:rPr lang="en-US" altLang="ko-KR" smtClean="0"/>
+              <a:t>&lt;mousai&gt;</a:t>
+            </a:r>
+            <a:endParaRPr lang="en-US" altLang="ko-KR" dirty="0"/>
+          </a:p>
+        </p:txBody>
+      </p:sp>
+      <p:sp>
+        <p:nvSpPr>
+          <p:cNvPr id="3" name="TextBox 2"/>
+          <p:cNvSpPr txBox="1"/>
+          <p:nvPr/>
+        </p:nvSpPr>
+        <p:spPr>
+          <a:xfrm>
+            <a:off x="1543050" y="257175"/>
+            <a:ext cx="2257425" cy="307777"/>
+          </a:xfrm>
+          <a:prstGeom prst="rect">
+            <a:avLst/>
+          </a:prstGeom>
+          <a:noFill/>
+        </p:spPr>
+        <p:txBody>
+          <a:bodyPr wrap="square" rtlCol="0">
+            <a:spAutoFit/>
+          </a:bodyPr>
+          <a:lstStyle/>
+          <a:p>
+            <a:r>
+              <a:rPr lang="ko-KR" altLang="en-US" dirty="0" smtClean="0"/>
+              <a:t>대학생을 위한 </a:t>
+            </a:r>
+            <a:r>
+              <a:rPr lang="en-US" altLang="ko-KR" dirty="0" smtClean="0"/>
+              <a:t>To do List</a:t>
+            </a:r>
+            <a:endParaRPr lang="ko-KR" altLang="en-US" dirty="0"/>
+          </a:p>
+        </p:txBody>
+      </p:sp>
+      <p:sp>
+        <p:nvSpPr>
+          <p:cNvPr id="4" name="TextBox 3"/>
+          <p:cNvSpPr txBox="1"/>
+          <p:nvPr/>
+        </p:nvSpPr>
+        <p:spPr>
+          <a:xfrm>
+            <a:off x="7032501" y="420588"/>
+            <a:ext cx="720849" cy="261610"/>
+          </a:xfrm>
+          <a:prstGeom prst="rect">
+            <a:avLst/>
+          </a:prstGeom>
+          <a:solidFill>
+            <a:schemeClr val="bg1"/>
+          </a:solidFill>
+        </p:spPr>
+        <p:txBody>
+          <a:bodyPr wrap="square" rtlCol="0">
+            <a:spAutoFit/>
+          </a:bodyPr>
+          <a:lstStyle/>
+          <a:p>
+            <a:r>
+              <a:rPr lang="en-US" altLang="ko-KR" sz="1100" dirty="0" smtClean="0"/>
+              <a:t>V 1.0</a:t>
+            </a:r>
+            <a:endParaRPr lang="ko-KR" altLang="en-US" sz="1100" dirty="0"/>
+          </a:p>
+        </p:txBody>
+      </p:sp>
+      <p:pic>
+        <p:nvPicPr>
+          <p:cNvPr id="5" name="그림 4"/>
+          <p:cNvPicPr>
+            <a:picLocks noChangeAspect="1"/>
+          </p:cNvPicPr>
+          <p:nvPr/>
+        </p:nvPicPr>
+        <p:blipFill>
+          <a:blip r:embed="rId2">
+            <a:extLst>
+              <a:ext uri="{28A0092B-C50C-407E-A947-70E740481C1C}">
+                <a14:useLocalDpi xmlns:a14="http://schemas.microsoft.com/office/drawing/2010/main" val="0"/>
+              </a:ext>
+            </a:extLst>
+          </a:blip>
+          <a:stretch>
+            <a:fillRect/>
+          </a:stretch>
+        </p:blipFill>
+        <p:spPr>
+          <a:xfrm>
+            <a:off x="704215" y="1496292"/>
+            <a:ext cx="7804208" cy="3628592"/>
+          </a:xfrm>
+          <a:prstGeom prst="rect">
+            <a:avLst/>
+          </a:prstGeom>
+        </p:spPr>
+      </p:pic>
+    </p:spTree>
+    <p:extLst>
+      <p:ext uri="{BB962C8B-B14F-4D97-AF65-F5344CB8AC3E}">
+        <p14:creationId xmlns:p14="http://schemas.microsoft.com/office/powerpoint/2010/main" val="3620419722"/>
+      </p:ext>
+    </p:extLst>
+  </p:cSld>
+  <p:clrMapOvr>
+    <a:masterClrMapping/>
+  </p:clrMapOvr>
+  <p:timing>
+    <p:tnLst>
+      <p:par>
+        <p:cTn id="1" dur="indefinite" restart="never" nodeType="tmRoot"/>
+      </p:par>
+    </p:tnLst>
+  </p:timing>
 </p:sld>
 </file>
 

--- a/doc/3_ 설계서/Class Design.pptx
+++ b/doc/3_ 설계서/Class Design.pptx
@@ -181,6 +181,10 @@
     </p:ext>
   </p:extLst>
 </p:presentation>
+</file>
+
+<file path=ppt/revisionInfo.xml><?xml version="1.0" encoding="utf-8"?>
+<p1510:revInfo xmlns:a="http://schemas.openxmlformats.org/drawingml/2006/main" xmlns:r="http://schemas.openxmlformats.org/officeDocument/2006/relationships" xmlns:p1510="http://schemas.microsoft.com/office/powerpoint/2015/10/main"/>
 </file>
 
 <file path=ppt/handoutMasters/handoutMaster1.xml><?xml version="1.0" encoding="utf-8"?>
@@ -592,35 +596,35 @@
           <a:p>
             <a:pPr lvl="0"/>
             <a:r>
-              <a:rPr lang="en-GB" altLang="ko-KR" smtClean="0"/>
+              <a:rPr lang="en-GB" altLang="ko-KR"/>
               <a:t>Click to edit Master text styles</a:t>
             </a:r>
           </a:p>
           <a:p>
             <a:pPr lvl="1"/>
             <a:r>
-              <a:rPr lang="en-GB" altLang="ko-KR" smtClean="0"/>
+              <a:rPr lang="en-GB" altLang="ko-KR"/>
               <a:t>Second level</a:t>
             </a:r>
           </a:p>
           <a:p>
             <a:pPr lvl="2"/>
             <a:r>
-              <a:rPr lang="en-GB" altLang="ko-KR" smtClean="0"/>
+              <a:rPr lang="en-GB" altLang="ko-KR"/>
               <a:t>Third level</a:t>
             </a:r>
           </a:p>
           <a:p>
             <a:pPr lvl="3"/>
             <a:r>
-              <a:rPr lang="en-GB" altLang="ko-KR" smtClean="0"/>
+              <a:rPr lang="en-GB" altLang="ko-KR"/>
               <a:t>Fourth level</a:t>
             </a:r>
           </a:p>
           <a:p>
             <a:pPr lvl="4"/>
             <a:r>
-              <a:rPr lang="en-GB" altLang="ko-KR" smtClean="0"/>
+              <a:rPr lang="en-GB" altLang="ko-KR"/>
               <a:t>Fifth level</a:t>
             </a:r>
           </a:p>
@@ -1011,7 +1015,7 @@
           </a:bodyPr>
           <a:lstStyle/>
           <a:p>
-            <a:endParaRPr lang="en-US" altLang="ko-KR" sz="2400" b="1" dirty="0" smtClean="0">
+            <a:endParaRPr lang="en-US" altLang="ko-KR" sz="2400" b="1" dirty="0">
               <a:latin typeface="HY헤드라인M" pitchFamily="18" charset="-127"/>
               <a:ea typeface="HY헤드라인M" pitchFamily="18" charset="-127"/>
             </a:endParaRPr>
@@ -1065,18 +1069,13 @@
             </a:lvl1pPr>
           </a:lstStyle>
           <a:p>
-            <a:r>
-              <a:rPr lang="en-US" altLang="ko-KR" dirty="0" smtClean="0"/>
-              <a:t/>
-            </a:r>
             <a:br>
-              <a:rPr lang="en-US" altLang="ko-KR" dirty="0" smtClean="0"/>
+              <a:rPr lang="en-US" altLang="ko-KR" dirty="0"/>
             </a:br>
             <a:r>
-              <a:rPr lang="ko-KR" altLang="en-US" dirty="0" smtClean="0"/>
+              <a:rPr lang="ko-KR" altLang="en-US" dirty="0"/>
               <a:t>마스터 제목 스타일 편집</a:t>
             </a:r>
-            <a:endParaRPr lang="ko-KR" altLang="en-US" dirty="0"/>
           </a:p>
         </p:txBody>
       </p:sp>
@@ -1180,7 +1179,7 @@
                         <a:tabLst/>
                       </a:pPr>
                       <a:r>
-                        <a:rPr kumimoji="1" lang="ko-KR" altLang="en-US" sz="900" b="0" i="0" u="none" strike="noStrike" cap="none" normalizeH="0" baseline="0" dirty="0" smtClean="0">
+                        <a:rPr kumimoji="1" lang="ko-KR" altLang="en-US" sz="900" b="0" i="0" u="none" strike="noStrike" cap="none" normalizeH="0" baseline="0" dirty="0">
                           <a:ln>
                             <a:noFill/>
                           </a:ln>
@@ -1193,7 +1192,7 @@
                         </a:rPr>
                         <a:t>프로젝트 명</a:t>
                       </a:r>
-                      <a:endParaRPr kumimoji="1" lang="ko-KR" altLang="ko-KR" sz="900" b="0" i="0" u="none" strike="noStrike" cap="none" normalizeH="0" baseline="0" dirty="0" smtClean="0">
+                      <a:endParaRPr kumimoji="1" lang="ko-KR" altLang="ko-KR" sz="900" b="0" i="0" u="none" strike="noStrike" cap="none" normalizeH="0" baseline="0" dirty="0">
                         <a:ln>
                           <a:noFill/>
                         </a:ln>
@@ -1275,7 +1274,7 @@
                         <a:buNone/>
                         <a:tabLst/>
                       </a:pPr>
-                      <a:endParaRPr kumimoji="1" lang="ko-KR" altLang="ko-KR" sz="900" b="0" i="0" u="none" strike="noStrike" cap="none" normalizeH="0" baseline="0" dirty="0" smtClean="0">
+                      <a:endParaRPr kumimoji="1" lang="ko-KR" altLang="ko-KR" sz="900" b="0" i="0" u="none" strike="noStrike" cap="none" normalizeH="0" baseline="0" dirty="0">
                         <a:ln>
                           <a:noFill/>
                         </a:ln>
@@ -1356,7 +1355,7 @@
                         <a:tabLst/>
                       </a:pPr>
                       <a:r>
-                        <a:rPr kumimoji="1" lang="ko-KR" altLang="en-US" sz="900" b="0" i="0" u="none" strike="noStrike" cap="none" normalizeH="0" baseline="0" dirty="0" smtClean="0">
+                        <a:rPr kumimoji="1" lang="ko-KR" altLang="en-US" sz="900" b="0" i="0" u="none" strike="noStrike" cap="none" normalizeH="0" baseline="0" dirty="0">
                           <a:ln>
                             <a:noFill/>
                           </a:ln>
@@ -1369,7 +1368,7 @@
                         </a:rPr>
                         <a:t>문서 명</a:t>
                       </a:r>
-                      <a:endParaRPr kumimoji="1" lang="ko-KR" altLang="ko-KR" sz="900" b="0" i="0" u="none" strike="noStrike" cap="none" normalizeH="0" baseline="0" dirty="0" smtClean="0">
+                      <a:endParaRPr kumimoji="1" lang="ko-KR" altLang="ko-KR" sz="900" b="0" i="0" u="none" strike="noStrike" cap="none" normalizeH="0" baseline="0" dirty="0">
                         <a:ln>
                           <a:noFill/>
                         </a:ln>
@@ -1452,7 +1451,7 @@
                         <a:tabLst/>
                       </a:pPr>
                       <a:r>
-                        <a:rPr kumimoji="1" lang="en-US" altLang="ko-KR" sz="900" b="0" i="0" u="none" strike="noStrike" cap="none" normalizeH="0" baseline="0" dirty="0" smtClean="0">
+                        <a:rPr kumimoji="1" lang="en-US" altLang="ko-KR" sz="900" b="0" i="0" u="none" strike="noStrike" cap="none" normalizeH="0" baseline="0" dirty="0">
                           <a:ln>
                             <a:noFill/>
                           </a:ln>
@@ -1466,7 +1465,7 @@
                         <a:t>Class </a:t>
                       </a:r>
                       <a:r>
-                        <a:rPr kumimoji="1" lang="ko-KR" altLang="en-US" sz="900" b="0" i="0" u="none" strike="noStrike" cap="none" normalizeH="0" baseline="0" dirty="0" smtClean="0">
+                        <a:rPr kumimoji="1" lang="ko-KR" altLang="en-US" sz="900" b="0" i="0" u="none" strike="noStrike" cap="none" normalizeH="0" baseline="0" dirty="0">
                           <a:ln>
                             <a:noFill/>
                           </a:ln>
@@ -1479,7 +1478,7 @@
                         </a:rPr>
                         <a:t>설계서</a:t>
                       </a:r>
-                      <a:endParaRPr kumimoji="1" lang="ko-KR" sz="900" b="0" i="0" u="none" strike="noStrike" cap="none" normalizeH="0" baseline="0" dirty="0" smtClean="0">
+                      <a:endParaRPr kumimoji="1" lang="ko-KR" sz="900" b="0" i="0" u="none" strike="noStrike" cap="none" normalizeH="0" baseline="0" dirty="0">
                         <a:ln>
                           <a:noFill/>
                         </a:ln>
@@ -1566,7 +1565,7 @@
                         <a:buNone/>
                         <a:tabLst/>
                       </a:pPr>
-                      <a:endParaRPr kumimoji="1" lang="ko-KR" sz="900" b="0" i="0" u="none" strike="noStrike" cap="none" normalizeH="0" baseline="0" dirty="0" smtClean="0">
+                      <a:endParaRPr kumimoji="1" lang="ko-KR" sz="900" b="0" i="0" u="none" strike="noStrike" cap="none" normalizeH="0" baseline="0" dirty="0">
                         <a:ln>
                           <a:noFill/>
                         </a:ln>
@@ -1648,7 +1647,7 @@
                         <a:buNone/>
                         <a:tabLst/>
                       </a:pPr>
-                      <a:endParaRPr kumimoji="1" lang="ko-KR" altLang="ko-KR" sz="900" b="0" i="0" u="none" strike="noStrike" cap="none" normalizeH="0" baseline="0" dirty="0" smtClean="0">
+                      <a:endParaRPr kumimoji="1" lang="ko-KR" altLang="ko-KR" sz="900" b="0" i="0" u="none" strike="noStrike" cap="none" normalizeH="0" baseline="0" dirty="0">
                         <a:ln>
                           <a:noFill/>
                         </a:ln>
@@ -1729,7 +1728,7 @@
                         <a:tabLst/>
                       </a:pPr>
                       <a:r>
-                        <a:rPr kumimoji="1" lang="ko-KR" altLang="en-US" sz="900" b="0" i="0" u="none" strike="noStrike" cap="none" normalizeH="0" baseline="0" dirty="0" smtClean="0">
+                        <a:rPr kumimoji="1" lang="ko-KR" altLang="en-US" sz="900" b="0" i="0" u="none" strike="noStrike" cap="none" normalizeH="0" baseline="0" dirty="0">
                           <a:ln>
                             <a:noFill/>
                           </a:ln>
@@ -1742,7 +1741,7 @@
                         </a:rPr>
                         <a:t>버전</a:t>
                       </a:r>
-                      <a:endParaRPr kumimoji="1" lang="ko-KR" altLang="ko-KR" sz="900" b="0" i="0" u="none" strike="noStrike" cap="none" normalizeH="0" baseline="0" dirty="0" smtClean="0">
+                      <a:endParaRPr kumimoji="1" lang="ko-KR" altLang="ko-KR" sz="900" b="0" i="0" u="none" strike="noStrike" cap="none" normalizeH="0" baseline="0" dirty="0">
                         <a:ln>
                           <a:noFill/>
                         </a:ln>
@@ -1825,7 +1824,7 @@
                         <a:tabLst/>
                       </a:pPr>
                       <a:r>
-                        <a:rPr kumimoji="1" lang="en-US" altLang="ko-KR" sz="900" b="0" i="0" u="none" strike="noStrike" cap="none" normalizeH="0" baseline="0" dirty="0" smtClean="0">
+                        <a:rPr kumimoji="1" lang="en-US" altLang="ko-KR" sz="900" b="0" i="0" u="none" strike="noStrike" cap="none" normalizeH="0" baseline="0" dirty="0">
                           <a:ln>
                             <a:noFill/>
                           </a:ln>
@@ -1838,7 +1837,7 @@
                         </a:rPr>
                         <a:t>V X.X</a:t>
                       </a:r>
-                      <a:endParaRPr kumimoji="1" lang="ko-KR" altLang="ko-KR" sz="900" b="0" i="0" u="none" strike="noStrike" cap="none" normalizeH="0" baseline="0" dirty="0" smtClean="0">
+                      <a:endParaRPr kumimoji="1" lang="ko-KR" altLang="ko-KR" sz="900" b="0" i="0" u="none" strike="noStrike" cap="none" normalizeH="0" baseline="0" dirty="0">
                         <a:ln>
                           <a:noFill/>
                         </a:ln>
@@ -1954,7 +1953,7 @@
           <a:p>
             <a:pPr algn="r"/>
             <a:r>
-              <a:rPr lang="en-US" altLang="ko-KR" smtClean="0"/>
+              <a:rPr lang="en-US" altLang="ko-KR"/>
               <a:t>&lt;mousai&gt;</a:t>
             </a:r>
             <a:endParaRPr lang="en-US" altLang="ko-KR" dirty="0"/>
@@ -2011,7 +2010,7 @@
               <a:buNone/>
               <a:tabLst/>
             </a:pPr>
-            <a:endParaRPr kumimoji="0" lang="ko-KR" altLang="en-US" sz="1400" b="0" i="0" u="none" strike="noStrike" cap="none" normalizeH="0" baseline="0" smtClean="0">
+            <a:endParaRPr kumimoji="0" lang="ko-KR" altLang="en-US" sz="1400" b="0" i="0" u="none" strike="noStrike" cap="none" normalizeH="0" baseline="0">
               <a:ln>
                 <a:noFill/>
               </a:ln>
@@ -2080,7 +2079,7 @@
           </a:lstStyle>
           <a:p>
             <a:r>
-              <a:rPr lang="ko-KR" altLang="en-US" smtClean="0"/>
+              <a:rPr lang="ko-KR" altLang="en-US"/>
               <a:t>마스터 제목 스타일 편집</a:t>
             </a:r>
             <a:endParaRPr lang="ko-KR" altLang="en-US" dirty="0"/>
@@ -2130,35 +2129,35 @@
           <a:p>
             <a:pPr lvl="0"/>
             <a:r>
-              <a:rPr lang="ko-KR" altLang="en-US" smtClean="0"/>
+              <a:rPr lang="ko-KR" altLang="en-US"/>
               <a:t>마스터 텍스트 스타일을 편집합니다</a:t>
             </a:r>
           </a:p>
           <a:p>
             <a:pPr lvl="1"/>
             <a:r>
-              <a:rPr lang="ko-KR" altLang="en-US" smtClean="0"/>
+              <a:rPr lang="ko-KR" altLang="en-US"/>
               <a:t>둘째 수준</a:t>
             </a:r>
           </a:p>
           <a:p>
             <a:pPr lvl="2"/>
             <a:r>
-              <a:rPr lang="ko-KR" altLang="en-US" smtClean="0"/>
+              <a:rPr lang="ko-KR" altLang="en-US"/>
               <a:t>셋째 수준</a:t>
             </a:r>
           </a:p>
           <a:p>
             <a:pPr lvl="3"/>
             <a:r>
-              <a:rPr lang="ko-KR" altLang="en-US" smtClean="0"/>
+              <a:rPr lang="ko-KR" altLang="en-US"/>
               <a:t>넷째 수준</a:t>
             </a:r>
           </a:p>
           <a:p>
             <a:pPr lvl="4"/>
             <a:r>
-              <a:rPr lang="ko-KR" altLang="en-US" smtClean="0"/>
+              <a:rPr lang="ko-KR" altLang="en-US"/>
               <a:t>다섯째 수준</a:t>
             </a:r>
             <a:endParaRPr lang="ko-KR" altLang="en-US" dirty="0"/>
@@ -2282,7 +2281,7 @@
           <a:p>
             <a:pPr algn="r"/>
             <a:r>
-              <a:rPr lang="en-US" altLang="ko-KR" smtClean="0"/>
+              <a:rPr lang="en-US" altLang="ko-KR"/>
               <a:t>&lt;mousai&gt;</a:t>
             </a:r>
             <a:endParaRPr lang="en-US" altLang="ko-KR" dirty="0"/>
@@ -2487,7 +2486,7 @@
           <a:p>
             <a:pPr algn="r"/>
             <a:r>
-              <a:rPr lang="en-US" altLang="ko-KR" smtClean="0"/>
+              <a:rPr lang="en-US" altLang="ko-KR"/>
               <a:t>&lt;mousai&gt;</a:t>
             </a:r>
             <a:endParaRPr lang="en-US" altLang="ko-KR" dirty="0"/>
@@ -3033,22 +3032,17 @@
           <a:bodyPr/>
           <a:lstStyle/>
           <a:p>
-            <a:r>
-              <a:rPr lang="en-US" altLang="ko-KR" dirty="0" smtClean="0"/>
-              <a:t/>
-            </a:r>
             <a:br>
-              <a:rPr lang="en-US" altLang="ko-KR" dirty="0" smtClean="0"/>
+              <a:rPr lang="en-US" altLang="ko-KR" dirty="0"/>
             </a:br>
             <a:r>
-              <a:rPr lang="en-US" altLang="ko-KR" dirty="0" smtClean="0"/>
+              <a:rPr lang="en-US" altLang="ko-KR" dirty="0"/>
               <a:t>Class </a:t>
             </a:r>
             <a:r>
-              <a:rPr lang="ko-KR" altLang="en-US" dirty="0" smtClean="0"/>
+              <a:rPr lang="ko-KR" altLang="en-US" dirty="0"/>
               <a:t>설계서</a:t>
             </a:r>
-            <a:endParaRPr lang="ko-KR" altLang="en-US" dirty="0"/>
           </a:p>
         </p:txBody>
       </p:sp>
@@ -3076,15 +3070,15 @@
           <a:p>
             <a:pPr latinLnBrk="1"/>
             <a:r>
-              <a:rPr lang="en-US" altLang="ko-KR" sz="3200" dirty="0" smtClean="0"/>
+              <a:rPr lang="en-US" altLang="ko-KR" sz="3200" dirty="0"/>
               <a:t>&lt; </a:t>
             </a:r>
             <a:r>
-              <a:rPr lang="en-US" altLang="ko-KR" sz="3200" dirty="0" err="1" smtClean="0"/>
+              <a:rPr lang="en-US" altLang="ko-KR" sz="3200" dirty="0" err="1"/>
               <a:t>Mousai</a:t>
             </a:r>
             <a:r>
-              <a:rPr lang="en-US" altLang="ko-KR" sz="3200" dirty="0" smtClean="0"/>
+              <a:rPr lang="en-US" altLang="ko-KR" sz="3200" dirty="0"/>
               <a:t> &gt;</a:t>
             </a:r>
             <a:endParaRPr lang="ko-KR" altLang="ko-KR" sz="3200" dirty="0"/>
@@ -3096,13 +3090,6 @@
   <p:clrMapOvr>
     <a:masterClrMapping/>
   </p:clrMapOvr>
-  <p:timing>
-    <p:tnLst>
-      <p:par>
-        <p:cTn id="1" dur="indefinite" restart="never" nodeType="tmRoot"/>
-      </p:par>
-    </p:tnLst>
-  </p:timing>
 </p:sld>
 </file>
 
@@ -3139,10 +3126,9 @@
           <a:lstStyle/>
           <a:p>
             <a:r>
-              <a:rPr lang="ko-KR" altLang="en-US" dirty="0" smtClean="0"/>
+              <a:rPr lang="ko-KR" altLang="en-US" dirty="0"/>
               <a:t>변경 이력</a:t>
             </a:r>
-            <a:endParaRPr lang="ko-KR" altLang="en-US" dirty="0"/>
           </a:p>
         </p:txBody>
       </p:sp>
@@ -3163,7 +3149,7 @@
           <a:p>
             <a:pPr algn="r"/>
             <a:r>
-              <a:rPr lang="en-US" altLang="ko-KR" smtClean="0"/>
+              <a:rPr lang="en-US" altLang="ko-KR"/>
               <a:t>&lt;mousai&gt;</a:t>
             </a:r>
             <a:endParaRPr lang="en-US" altLang="ko-KR" dirty="0"/>
@@ -3180,14 +3166,14 @@
             <p:ph idx="1"/>
             <p:extLst>
               <p:ext uri="{D42A27DB-BD31-4B8C-83A1-F6EECF244321}">
-                <p14:modId xmlns:p14="http://schemas.microsoft.com/office/powerpoint/2010/main" val="3852103481"/>
+                <p14:modId xmlns:p14="http://schemas.microsoft.com/office/powerpoint/2010/main" val="1411413693"/>
               </p:ext>
             </p:extLst>
           </p:nvPr>
         </p:nvGraphicFramePr>
         <p:xfrm>
           <a:off x="280988" y="1025525"/>
-          <a:ext cx="8582024" cy="2966720"/>
+          <a:ext cx="8582024" cy="2915773"/>
         </p:xfrm>
         <a:graphic>
           <a:graphicData uri="http://schemas.openxmlformats.org/drawingml/2006/table">
@@ -3233,7 +3219,7 @@
                     <a:p>
                       <a:pPr algn="ctr" latinLnBrk="1"/>
                       <a:r>
-                        <a:rPr lang="ko-KR" altLang="en-US" sz="1200" b="1" dirty="0" smtClean="0">
+                        <a:rPr lang="ko-KR" altLang="en-US" sz="1200" b="1" dirty="0">
                           <a:latin typeface="맑은 고딕" pitchFamily="50" charset="-127"/>
                           <a:ea typeface="맑은 고딕" pitchFamily="50" charset="-127"/>
                         </a:rPr>
@@ -3263,7 +3249,7 @@
                     <a:p>
                       <a:pPr algn="ctr" latinLnBrk="1"/>
                       <a:r>
-                        <a:rPr lang="ko-KR" altLang="en-US" sz="1200" b="1" dirty="0" smtClean="0">
+                        <a:rPr lang="ko-KR" altLang="en-US" sz="1200" b="1" dirty="0">
                           <a:latin typeface="맑은 고딕" pitchFamily="50" charset="-127"/>
                           <a:ea typeface="맑은 고딕" pitchFamily="50" charset="-127"/>
                         </a:rPr>
@@ -3293,7 +3279,7 @@
                     <a:p>
                       <a:pPr algn="ctr" latinLnBrk="1"/>
                       <a:r>
-                        <a:rPr lang="ko-KR" altLang="en-US" sz="1200" b="1" dirty="0" smtClean="0">
+                        <a:rPr lang="ko-KR" altLang="en-US" sz="1200" b="1" dirty="0">
                           <a:latin typeface="맑은 고딕" pitchFamily="50" charset="-127"/>
                           <a:ea typeface="맑은 고딕" pitchFamily="50" charset="-127"/>
                         </a:rPr>
@@ -3323,7 +3309,7 @@
                     <a:p>
                       <a:pPr algn="ctr" latinLnBrk="1"/>
                       <a:r>
-                        <a:rPr lang="ko-KR" altLang="en-US" sz="1200" b="1" dirty="0" smtClean="0">
+                        <a:rPr lang="ko-KR" altLang="en-US" sz="1200" b="1" dirty="0">
                           <a:latin typeface="맑은 고딕" pitchFamily="50" charset="-127"/>
                           <a:ea typeface="맑은 고딕" pitchFamily="50" charset="-127"/>
                         </a:rPr>
@@ -3352,7 +3338,7 @@
                   </a:ext>
                 </a:extLst>
               </a:tr>
-              <a:tr h="370840">
+              <a:tr h="319893">
                 <a:tc>
                   <a:txBody>
                     <a:bodyPr/>
@@ -3360,7 +3346,7 @@
                     <a:p>
                       <a:pPr algn="ctr" latinLnBrk="1"/>
                       <a:r>
-                        <a:rPr lang="en-US" altLang="ko-KR" sz="1200" b="0" dirty="0" smtClean="0">
+                        <a:rPr lang="en-US" altLang="ko-KR" sz="1200" b="0" dirty="0">
                           <a:solidFill>
                             <a:schemeClr val="tx1"/>
                           </a:solidFill>
@@ -3391,7 +3377,7 @@
                     <a:p>
                       <a:pPr algn="ctr" latinLnBrk="1"/>
                       <a:r>
-                        <a:rPr lang="en-US" altLang="ko-KR" sz="1200" b="0" dirty="0" smtClean="0">
+                        <a:rPr lang="en-US" altLang="ko-KR" sz="1200" b="0" dirty="0">
                           <a:solidFill>
                             <a:schemeClr val="tx1"/>
                           </a:solidFill>
@@ -3422,7 +3408,7 @@
                     <a:p>
                       <a:pPr latinLnBrk="1"/>
                       <a:r>
-                        <a:rPr lang="ko-KR" altLang="en-US" sz="1200" b="0" dirty="0" smtClean="0">
+                        <a:rPr lang="ko-KR" altLang="en-US" sz="1200" b="0" dirty="0">
                           <a:solidFill>
                             <a:schemeClr val="tx1"/>
                           </a:solidFill>
@@ -3431,13 +3417,6 @@
                         </a:rPr>
                         <a:t>클래스 설계서 초안 작성</a:t>
                       </a:r>
-                      <a:endParaRPr lang="ko-KR" altLang="en-US" sz="1200" b="0" dirty="0">
-                        <a:solidFill>
-                          <a:schemeClr val="tx1"/>
-                        </a:solidFill>
-                        <a:latin typeface="맑은 고딕" pitchFamily="50" charset="-127"/>
-                        <a:ea typeface="맑은 고딕" pitchFamily="50" charset="-127"/>
-                      </a:endParaRPr>
                     </a:p>
                   </a:txBody>
                   <a:tcPr anchor="ctr">
@@ -3453,7 +3432,7 @@
                     <a:p>
                       <a:pPr algn="ctr" latinLnBrk="1"/>
                       <a:r>
-                        <a:rPr lang="ko-KR" altLang="en-US" sz="1200" b="0" dirty="0" smtClean="0">
+                        <a:rPr lang="ko-KR" altLang="en-US" sz="1200" b="0" dirty="0">
                           <a:solidFill>
                             <a:schemeClr val="tx1"/>
                           </a:solidFill>
@@ -3462,13 +3441,6 @@
                         </a:rPr>
                         <a:t>한성필</a:t>
                       </a:r>
-                      <a:endParaRPr lang="ko-KR" altLang="en-US" sz="1200" b="0" dirty="0">
-                        <a:solidFill>
-                          <a:schemeClr val="tx1"/>
-                        </a:solidFill>
-                        <a:latin typeface="맑은 고딕" pitchFamily="50" charset="-127"/>
-                        <a:ea typeface="맑은 고딕" pitchFamily="50" charset="-127"/>
-                      </a:endParaRPr>
                     </a:p>
                   </a:txBody>
                   <a:tcPr anchor="ctr">
@@ -4038,13 +4010,6 @@
   <p:clrMapOvr>
     <a:masterClrMapping/>
   </p:clrMapOvr>
-  <p:timing>
-    <p:tnLst>
-      <p:par>
-        <p:cTn id="1" dur="indefinite" restart="never" nodeType="tmRoot"/>
-      </p:par>
-    </p:tnLst>
-  </p:timing>
 </p:sld>
 </file>
 
@@ -4082,7 +4047,7 @@
           <a:p>
             <a:pPr algn="r"/>
             <a:r>
-              <a:rPr lang="en-US" altLang="ko-KR" smtClean="0"/>
+              <a:rPr lang="en-US" altLang="ko-KR"/>
               <a:t>&lt;mousai&gt;</a:t>
             </a:r>
             <a:endParaRPr lang="en-US" altLang="ko-KR" dirty="0"/>
@@ -4112,11 +4077,11 @@
           <a:lstStyle/>
           <a:p>
             <a:r>
-              <a:rPr lang="ko-KR" altLang="en-US" dirty="0" smtClean="0"/>
+              <a:rPr lang="ko-KR" altLang="en-US" dirty="0"/>
               <a:t>대학생을 위한 </a:t>
             </a:r>
             <a:r>
-              <a:rPr lang="en-US" altLang="ko-KR" dirty="0" smtClean="0"/>
+              <a:rPr lang="en-US" altLang="ko-KR" dirty="0"/>
               <a:t>To do List</a:t>
             </a:r>
             <a:endParaRPr lang="ko-KR" altLang="en-US" dirty="0"/>
@@ -4148,7 +4113,7 @@
           <a:lstStyle/>
           <a:p>
             <a:r>
-              <a:rPr lang="en-US" altLang="ko-KR" sz="1100" dirty="0" smtClean="0"/>
+              <a:rPr lang="en-US" altLang="ko-KR" sz="1100" dirty="0"/>
               <a:t>V 1.0</a:t>
             </a:r>
             <a:endParaRPr lang="ko-KR" altLang="en-US" sz="1100" dirty="0"/>
@@ -4190,13 +4155,6 @@
   <p:clrMapOvr>
     <a:masterClrMapping/>
   </p:clrMapOvr>
-  <p:timing>
-    <p:tnLst>
-      <p:par>
-        <p:cTn id="1" dur="indefinite" restart="never" nodeType="tmRoot"/>
-      </p:par>
-    </p:tnLst>
-  </p:timing>
 </p:sld>
 </file>
 
@@ -4234,7 +4192,7 @@
           <a:p>
             <a:pPr algn="r"/>
             <a:r>
-              <a:rPr lang="en-US" altLang="ko-KR" smtClean="0"/>
+              <a:rPr lang="en-US" altLang="ko-KR"/>
               <a:t>&lt;mousai&gt;</a:t>
             </a:r>
             <a:endParaRPr lang="en-US" altLang="ko-KR" dirty="0"/>
@@ -4264,11 +4222,11 @@
           <a:lstStyle/>
           <a:p>
             <a:r>
-              <a:rPr lang="ko-KR" altLang="en-US" dirty="0" smtClean="0"/>
+              <a:rPr lang="ko-KR" altLang="en-US" dirty="0"/>
               <a:t>대학생을 위한 </a:t>
             </a:r>
             <a:r>
-              <a:rPr lang="en-US" altLang="ko-KR" dirty="0" smtClean="0"/>
+              <a:rPr lang="en-US" altLang="ko-KR" dirty="0"/>
               <a:t>To do List</a:t>
             </a:r>
             <a:endParaRPr lang="ko-KR" altLang="en-US" dirty="0"/>
@@ -4300,7 +4258,7 @@
           <a:lstStyle/>
           <a:p>
             <a:r>
-              <a:rPr lang="en-US" altLang="ko-KR" sz="1100" dirty="0" smtClean="0"/>
+              <a:rPr lang="en-US" altLang="ko-KR" sz="1100" dirty="0"/>
               <a:t>V 1.0</a:t>
             </a:r>
             <a:endParaRPr lang="ko-KR" altLang="en-US" sz="1100" dirty="0"/>
@@ -4347,13 +4305,6 @@
   <p:clrMapOvr>
     <a:masterClrMapping/>
   </p:clrMapOvr>
-  <p:timing>
-    <p:tnLst>
-      <p:par>
-        <p:cTn id="1" dur="indefinite" restart="never" nodeType="tmRoot"/>
-      </p:par>
-    </p:tnLst>
-  </p:timing>
 </p:sld>
 </file>
 
@@ -4391,7 +4342,7 @@
           <a:p>
             <a:pPr algn="r"/>
             <a:r>
-              <a:rPr lang="en-US" altLang="ko-KR" smtClean="0"/>
+              <a:rPr lang="en-US" altLang="ko-KR"/>
               <a:t>&lt;mousai&gt;</a:t>
             </a:r>
             <a:endParaRPr lang="en-US" altLang="ko-KR" dirty="0"/>
@@ -4421,11 +4372,11 @@
           <a:lstStyle/>
           <a:p>
             <a:r>
-              <a:rPr lang="ko-KR" altLang="en-US" dirty="0" smtClean="0"/>
+              <a:rPr lang="ko-KR" altLang="en-US" dirty="0"/>
               <a:t>대학생을 위한 </a:t>
             </a:r>
             <a:r>
-              <a:rPr lang="en-US" altLang="ko-KR" dirty="0" smtClean="0"/>
+              <a:rPr lang="en-US" altLang="ko-KR" dirty="0"/>
               <a:t>To do List</a:t>
             </a:r>
             <a:endParaRPr lang="ko-KR" altLang="en-US" dirty="0"/>
@@ -4457,7 +4408,7 @@
           <a:lstStyle/>
           <a:p>
             <a:r>
-              <a:rPr lang="en-US" altLang="ko-KR" sz="1100" dirty="0" smtClean="0"/>
+              <a:rPr lang="en-US" altLang="ko-KR" sz="1100" dirty="0"/>
               <a:t>V 1.0</a:t>
             </a:r>
             <a:endParaRPr lang="ko-KR" altLang="en-US" sz="1100" dirty="0"/>
@@ -4504,13 +4455,6 @@
   <p:clrMapOvr>
     <a:masterClrMapping/>
   </p:clrMapOvr>
-  <p:timing>
-    <p:tnLst>
-      <p:par>
-        <p:cTn id="1" dur="indefinite" restart="never" nodeType="tmRoot"/>
-      </p:par>
-    </p:tnLst>
-  </p:timing>
 </p:sld>
 </file>
 
@@ -4548,7 +4492,7 @@
           <a:p>
             <a:pPr algn="r"/>
             <a:r>
-              <a:rPr lang="en-US" altLang="ko-KR" smtClean="0"/>
+              <a:rPr lang="en-US" altLang="ko-KR"/>
               <a:t>&lt;mousai&gt;</a:t>
             </a:r>
             <a:endParaRPr lang="en-US" altLang="ko-KR" dirty="0"/>
@@ -4578,11 +4522,11 @@
           <a:lstStyle/>
           <a:p>
             <a:r>
-              <a:rPr lang="ko-KR" altLang="en-US" dirty="0" smtClean="0"/>
+              <a:rPr lang="ko-KR" altLang="en-US" dirty="0"/>
               <a:t>대학생을 위한 </a:t>
             </a:r>
             <a:r>
-              <a:rPr lang="en-US" altLang="ko-KR" dirty="0" smtClean="0"/>
+              <a:rPr lang="en-US" altLang="ko-KR" dirty="0"/>
               <a:t>To do List</a:t>
             </a:r>
             <a:endParaRPr lang="ko-KR" altLang="en-US" dirty="0"/>
@@ -4614,7 +4558,7 @@
           <a:lstStyle/>
           <a:p>
             <a:r>
-              <a:rPr lang="en-US" altLang="ko-KR" sz="1100" dirty="0" smtClean="0"/>
+              <a:rPr lang="en-US" altLang="ko-KR" sz="1100" dirty="0"/>
               <a:t>V 1.0</a:t>
             </a:r>
             <a:endParaRPr lang="ko-KR" altLang="en-US" sz="1100" dirty="0"/>
@@ -4661,13 +4605,6 @@
   <p:clrMapOvr>
     <a:masterClrMapping/>
   </p:clrMapOvr>
-  <p:timing>
-    <p:tnLst>
-      <p:par>
-        <p:cTn id="1" dur="indefinite" restart="never" nodeType="tmRoot"/>
-      </p:par>
-    </p:tnLst>
-  </p:timing>
 </p:sld>
 </file>
 
